--- a/BE Principle - Part 1.pptx
+++ b/BE Principle - Part 1.pptx
@@ -46,18 +46,11 @@
   <p:notesSz cx="6858000" cy="9144000"/>
   <p:embeddedFontLst>
     <p:embeddedFont>
-      <p:font typeface="Calibri" panose="020F0502020204030204" pitchFamily="34" charset="0"/>
+      <p:font typeface="Trebuchet MS" panose="020B0603020202020204" pitchFamily="34" charset="0"/>
       <p:regular r:id="rId36"/>
       <p:bold r:id="rId37"/>
       <p:italic r:id="rId38"/>
       <p:boldItalic r:id="rId39"/>
-    </p:embeddedFont>
-    <p:embeddedFont>
-      <p:font typeface="Trebuchet MS" panose="020B0603020202020204" pitchFamily="34" charset="0"/>
-      <p:regular r:id="rId40"/>
-      <p:bold r:id="rId41"/>
-      <p:italic r:id="rId42"/>
-      <p:boldItalic r:id="rId43"/>
     </p:embeddedFont>
   </p:embeddedFontLst>
   <p:defaultTextStyle>
@@ -294,7 +287,7 @@
       <p15:sldGuideLst xmlns:p15="http://schemas.microsoft.com/office/powerpoint/2012/main"/>
     </p:ext>
     <p:ext uri="http://customooxmlschemas.google.com/">
-      <go:slidesCustomData xmlns="" xmlns:mc="http://schemas.openxmlformats.org/markup-compatibility/2006" xmlns:mv="urn:schemas-microsoft-com:mac:vml" xmlns:c="http://schemas.openxmlformats.org/drawingml/2006/chart" xmlns:dgm="http://schemas.openxmlformats.org/drawingml/2006/diagram" xmlns:o="urn:schemas-microsoft-com:office:office" xmlns:v="urn:schemas-microsoft-com:vml" xmlns:pvml="urn:schemas-microsoft-com:office:powerpoint" xmlns:com="http://schemas.openxmlformats.org/drawingml/2006/compatibility" xmlns:p14="http://schemas.microsoft.com/office/powerpoint/2010/main" xmlns:p15="http://schemas.microsoft.com/office/powerpoint/2012/main" xmlns:go="http://customooxmlschemas.google.com/" r:id="rId47" roundtripDataSignature="AMtx7mi/vjytJZ0Cs1iuOXKCFIAxlEMbnQ=="/>
+      <go:slidesCustomData xmlns:go="http://customooxmlschemas.google.com/" xmlns:p15="http://schemas.microsoft.com/office/powerpoint/2012/main" xmlns:p14="http://schemas.microsoft.com/office/powerpoint/2010/main" xmlns:com="http://schemas.openxmlformats.org/drawingml/2006/compatibility" xmlns:pvml="urn:schemas-microsoft-com:office:powerpoint" xmlns:v="urn:schemas-microsoft-com:vml" xmlns:o="urn:schemas-microsoft-com:office:office" xmlns:dgm="http://schemas.openxmlformats.org/drawingml/2006/diagram" xmlns:c="http://schemas.openxmlformats.org/drawingml/2006/chart" xmlns:mv="urn:schemas-microsoft-com:mac:vml" xmlns:mc="http://schemas.openxmlformats.org/markup-compatibility/2006" xmlns="" r:id="rId47" roundtripDataSignature="AMtx7mi/vjytJZ0Cs1iuOXKCFIAxlEMbnQ=="/>
     </p:ext>
   </p:extLst>
 </p:presentation>
@@ -20868,53 +20861,6 @@
           </a:p>
         </p:txBody>
       </p:sp>
-      <p:sp>
-        <p:nvSpPr>
-          <p:cNvPr id="148" name="Google Shape;148;p1"/>
-          <p:cNvSpPr txBox="1">
-            <a:spLocks noGrp="1"/>
-          </p:cNvSpPr>
-          <p:nvPr>
-            <p:ph type="subTitle" idx="1"/>
-          </p:nvPr>
-        </p:nvSpPr>
-        <p:spPr>
-          <a:xfrm>
-            <a:off x="1507067" y="4050833"/>
-            <a:ext cx="7766936" cy="1096899"/>
-          </a:xfrm>
-          <a:prstGeom prst="rect">
-            <a:avLst/>
-          </a:prstGeom>
-          <a:noFill/>
-          <a:ln>
-            <a:noFill/>
-          </a:ln>
-        </p:spPr>
-        <p:txBody>
-          <a:bodyPr spcFirstLastPara="1" wrap="square" lIns="91425" tIns="45700" rIns="91425" bIns="45700" anchor="t" anchorCtr="0">
-            <a:normAutofit/>
-          </a:bodyPr>
-          <a:lstStyle/>
-          <a:p>
-            <a:pPr marL="0" lvl="0" indent="0" algn="r" rtl="0">
-              <a:spcBef>
-                <a:spcPts val="0"/>
-              </a:spcBef>
-              <a:spcAft>
-                <a:spcPts val="0"/>
-              </a:spcAft>
-              <a:buSzPts val="1440"/>
-              <a:buNone/>
-            </a:pPr>
-            <a:r>
-              <a:rPr lang="it-IT" dirty="0"/>
-              <a:t>Yoox Academy </a:t>
-            </a:r>
-            <a:endParaRPr dirty="0"/>
-          </a:p>
-        </p:txBody>
-      </p:sp>
       <p:pic>
         <p:nvPicPr>
           <p:cNvPr id="149" name="Google Shape;149;p1"/>
